--- a/AggregateDB_ita.pptx
+++ b/AggregateDB_ita.pptx
@@ -288,7 +288,7 @@
               <a:pPr>
                 <a:defRPr/>
               </a:pPr>
-              <a:t>7/8/2022</a:t>
+              <a:t>7/11/2022</a:t>
             </a:fld>
             <a:endParaRPr lang="en-US"/>
           </a:p>
@@ -8657,7 +8657,7 @@
                 <a:ea typeface="Tahoma" panose="020B0604030504040204" pitchFamily="34" charset="0"/>
                 <a:cs typeface="Tahoma" panose="020B0604030504040204" pitchFamily="34" charset="0"/>
               </a:rPr>
-              <a:t>Mentre si separa il caricamento, tutt lo sharding deve essere controllato a livello applicativo che deve tenere traccia di quale db server deve rispondere per comunicare ciascun blocco di dati</a:t>
+              <a:t>Mentre si separa il caricamento, tutto lo sharding deve essere controllato a livello applicativo che deve tenere traccia di quale db server deve rispondere per comunicare ciascun blocco di dati</a:t>
             </a:r>
           </a:p>
           <a:p>
@@ -9710,7 +9710,7 @@
                 <a:ea typeface="Tahoma" panose="020B0604030504040204" pitchFamily="34" charset="0"/>
                 <a:cs typeface="Tahoma" panose="020B0604030504040204" pitchFamily="34" charset="0"/>
               </a:rPr>
-              <a:t>vengono presentati qui. Di defaulta ciascuna tabella relazione usa un Id (che identifica un oggetto). </a:t>
+              <a:t>vengono presentati qui. Di default ciascuna tabella relazione usa un Id (che identifica un oggetto). </a:t>
             </a:r>
           </a:p>
         </p:txBody>
@@ -9862,7 +9862,7 @@
         </p:nvSpPr>
         <p:spPr>
           <a:xfrm>
-            <a:off x="574293" y="1446404"/>
+            <a:off x="574294" y="1232694"/>
             <a:ext cx="11163909" cy="4392612"/>
           </a:xfrm>
         </p:spPr>
@@ -9905,7 +9905,7 @@
                 <a:ea typeface="Tahoma" panose="020B0604030504040204" pitchFamily="34" charset="0"/>
                 <a:cs typeface="Tahoma" panose="020B0604030504040204" pitchFamily="34" charset="0"/>
               </a:rPr>
-              <a:t>Come risultato, il database non può usare una conoscenza di una struttura aggregata per aiutarla a immagazzina e a distribuire i dati. </a:t>
+              <a:t>Come risultato, il database non può usare una conoscenza di una struttura aggregata per aiutarla a immagazzinare e a distribuire i dati. </a:t>
             </a:r>
           </a:p>
           <a:p>
@@ -9944,7 +9944,7 @@
                 <a:ea typeface="Tahoma" panose="020B0604030504040204" pitchFamily="34" charset="0"/>
                 <a:cs typeface="Tahoma" panose="020B0604030504040204" pitchFamily="34" charset="0"/>
               </a:rPr>
-              <a:t>non è una proprietà dei dati di tipo logico: si riferisce più che altro al modo in cui i dati sono utilizzati dalle applicazioni, un problem che è spesso fuori dai confini del data modelling</a:t>
+              <a:t>non è una proprietà dei dati di tipo logico: si riferisce più che altro al modo in cui i dati sono utilizzati dalle applicazioni, un problema che è spesso fuori dai confini del data modelling</a:t>
             </a:r>
           </a:p>
           <a:p>
@@ -10596,7 +10596,7 @@
         </p:nvSpPr>
         <p:spPr>
           <a:xfrm>
-            <a:off x="0" y="1446404"/>
+            <a:off x="92468" y="1232694"/>
             <a:ext cx="12304294" cy="4392612"/>
           </a:xfrm>
         </p:spPr>
@@ -11566,7 +11566,7 @@
                 <a:ea typeface="Tahoma" panose="020B0604030504040204" pitchFamily="34" charset="0"/>
                 <a:cs typeface="Tahoma" panose="020B0604030504040204" pitchFamily="34" charset="0"/>
               </a:rPr>
-              <a:t>Tuttavia, o database a grafo generalmente presentano solo alcune delle caratteristiche che sono tipiche delle soluzioni NoSQL, e che possiamo riassumere come segue (anche se non c'è una definizione generalmente accettata di NoSQL in letteratura):</a:t>
+              <a:t>Tuttavia, i database a grafo generalmente presentano solo alcune delle caratteristiche che sono tipiche delle soluzioni NoSQL, e che possiamo riassumere come segue (anche se non c'è una definizione generalmente accettata di NoSQL in letteratura):</a:t>
             </a:r>
           </a:p>
           <a:p>
@@ -12855,7 +12855,7 @@
                 <a:ea typeface="Tahoma" panose="020B0604030504040204" pitchFamily="34" charset="0"/>
                 <a:cs typeface="Tahoma" panose="020B0604030504040204" pitchFamily="34" charset="0"/>
               </a:rPr>
-              <a:t>database di applicaizone (application database)</a:t>
+              <a:t>database di applicazione (application database)</a:t>
             </a:r>
           </a:p>
           <a:p>
@@ -13062,7 +13062,7 @@
                 <a:ea typeface="Tahoma" panose="020B0604030504040204" pitchFamily="34" charset="0"/>
                 <a:cs typeface="Tahoma" panose="020B0604030504040204" pitchFamily="34" charset="0"/>
               </a:rPr>
-              <a:t>L'interoperabilità riguarda il fatti che si può ora passare alle interfacce dell'applicazione: </a:t>
+              <a:t>L'interoperabilità riguarda il fatto che si può ora passare alle interfacce dell'applicazione: </a:t>
             </a:r>
           </a:p>
           <a:p>
@@ -13894,15 +13894,6 @@
 
 <file path=customXml/item1.xml><?xml version="1.0" encoding="utf-8"?>
 <?mso-contentType ?>
-<FormTemplates xmlns="http://schemas.microsoft.com/sharepoint/v3/contenttype/forms">
-  <Display>DocumentLibraryForm</Display>
-  <Edit>DocumentLibraryForm</Edit>
-  <New>DocumentLibraryForm</New>
-</FormTemplates>
-</file>
-
-<file path=customXml/item2.xml><?xml version="1.0" encoding="utf-8"?>
-<?mso-contentType ?>
 <spe:Receivers xmlns:spe="http://schemas.microsoft.com/sharepoint/events">
   <Receiver>
     <Name>Document ID Generator</Name>
@@ -13951,7 +13942,30 @@
 </spe:Receivers>
 </file>
 
+<file path=customXml/item2.xml><?xml version="1.0" encoding="utf-8"?>
+<?mso-contentType ?>
+<FormTemplates xmlns="http://schemas.microsoft.com/sharepoint/v3/contenttype/forms">
+  <Display>DocumentLibraryForm</Display>
+  <Edit>DocumentLibraryForm</Edit>
+  <New>DocumentLibraryForm</New>
+</FormTemplates>
+</file>
+
 <file path=customXml/item3.xml><?xml version="1.0" encoding="utf-8"?>
+<p:properties xmlns:p="http://schemas.microsoft.com/office/2006/metadata/properties" xmlns:xsi="http://www.w3.org/2001/XMLSchema-instance" xmlns:pc="http://schemas.microsoft.com/office/infopath/2007/PartnerControls">
+  <documentManagement>
+    <SottoCategoria xmlns="679261c3-551f-4e86-913f-177e0e529669">-</SottoCategoria>
+    <Categoria xmlns="c58f2efd-82a8-4ecf-b395-8c25e928921d">Power Point</Categoria>
+    <_dlc_DocId xmlns="459159c4-d20a-4ff3-9b11-fbd127bd52e5">INTRANET-14-158</_dlc_DocId>
+    <_dlc_DocIdUrl xmlns="459159c4-d20a-4ff3-9b11-fbd127bd52e5">
+      <Url>https://intranet.istat.it/Collaborativi/_layouts/15/DocIdRedir.aspx?ID=INTRANET-14-158</Url>
+      <Description>INTRANET-14-158</Description>
+    </_dlc_DocIdUrl>
+  </documentManagement>
+</p:properties>
+</file>
+
+<file path=customXml/item4.xml><?xml version="1.0" encoding="utf-8"?>
 <ct:contentTypeSchema xmlns:ct="http://schemas.microsoft.com/office/2006/metadata/contentType" xmlns:ma="http://schemas.microsoft.com/office/2006/metadata/properties/metaAttributes" ct:_="" ma:_="" ma:contentTypeName="Documento" ma:contentTypeID="0x010100661A2BE3120D674DA36C11D6006822D4" ma:contentTypeVersion="3" ma:contentTypeDescription="Creare un nuovo documento." ma:contentTypeScope="" ma:versionID="2ad8b07f9840a1ce9cd199d874146b74">
   <xsd:schema xmlns:xsd="http://www.w3.org/2001/XMLSchema" xmlns:xs="http://www.w3.org/2001/XMLSchema" xmlns:p="http://schemas.microsoft.com/office/2006/metadata/properties" xmlns:ns2="c58f2efd-82a8-4ecf-b395-8c25e928921d" xmlns:ns3="459159c4-d20a-4ff3-9b11-fbd127bd52e5" xmlns:ns4="679261c3-551f-4e86-913f-177e0e529669" targetNamespace="http://schemas.microsoft.com/office/2006/metadata/properties" ma:root="true" ma:fieldsID="fffb0e16fb90ffea59fef1085e90ecca" ns2:_="" ns3:_="" ns4:_="">
     <xsd:import namespace="c58f2efd-82a8-4ecf-b395-8c25e928921d"/>
@@ -14138,21 +14152,15 @@
 </ct:contentTypeSchema>
 </file>
 
-<file path=customXml/item4.xml><?xml version="1.0" encoding="utf-8"?>
-<p:properties xmlns:p="http://schemas.microsoft.com/office/2006/metadata/properties" xmlns:xsi="http://www.w3.org/2001/XMLSchema-instance" xmlns:pc="http://schemas.microsoft.com/office/infopath/2007/PartnerControls">
-  <documentManagement>
-    <SottoCategoria xmlns="679261c3-551f-4e86-913f-177e0e529669">-</SottoCategoria>
-    <Categoria xmlns="c58f2efd-82a8-4ecf-b395-8c25e928921d">Power Point</Categoria>
-    <_dlc_DocId xmlns="459159c4-d20a-4ff3-9b11-fbd127bd52e5">INTRANET-14-158</_dlc_DocId>
-    <_dlc_DocIdUrl xmlns="459159c4-d20a-4ff3-9b11-fbd127bd52e5">
-      <Url>https://intranet.istat.it/Collaborativi/_layouts/15/DocIdRedir.aspx?ID=INTRANET-14-158</Url>
-      <Description>INTRANET-14-158</Description>
-    </_dlc_DocIdUrl>
-  </documentManagement>
-</p:properties>
+<file path=customXml/itemProps1.xml><?xml version="1.0" encoding="utf-8"?>
+<ds:datastoreItem xmlns:ds="http://schemas.openxmlformats.org/officeDocument/2006/customXml" ds:itemID="{D9296C4F-9DE9-4B43-AA80-1FC85656CFFA}">
+  <ds:schemaRefs>
+    <ds:schemaRef ds:uri="http://schemas.microsoft.com/sharepoint/events"/>
+  </ds:schemaRefs>
+</ds:datastoreItem>
 </file>
 
-<file path=customXml/itemProps1.xml><?xml version="1.0" encoding="utf-8"?>
+<file path=customXml/itemProps2.xml><?xml version="1.0" encoding="utf-8"?>
 <ds:datastoreItem xmlns:ds="http://schemas.openxmlformats.org/officeDocument/2006/customXml" ds:itemID="{BD9C238D-4D5C-4783-820B-4854DCE45D41}">
   <ds:schemaRefs>
     <ds:schemaRef ds:uri="http://schemas.microsoft.com/sharepoint/v3/contenttype/forms"/>
@@ -14160,15 +14168,25 @@
 </ds:datastoreItem>
 </file>
 
-<file path=customXml/itemProps2.xml><?xml version="1.0" encoding="utf-8"?>
-<ds:datastoreItem xmlns:ds="http://schemas.openxmlformats.org/officeDocument/2006/customXml" ds:itemID="{D9296C4F-9DE9-4B43-AA80-1FC85656CFFA}">
+<file path=customXml/itemProps3.xml><?xml version="1.0" encoding="utf-8"?>
+<ds:datastoreItem xmlns:ds="http://schemas.openxmlformats.org/officeDocument/2006/customXml" ds:itemID="{3EF378BC-F4D0-4510-B4EC-07B6EFE18CF8}">
   <ds:schemaRefs>
-    <ds:schemaRef ds:uri="http://schemas.microsoft.com/sharepoint/events"/>
+    <ds:schemaRef ds:uri="http://purl.org/dc/terms/"/>
+    <ds:schemaRef ds:uri="679261c3-551f-4e86-913f-177e0e529669"/>
+    <ds:schemaRef ds:uri="http://schemas.openxmlformats.org/package/2006/metadata/core-properties"/>
+    <ds:schemaRef ds:uri="http://schemas.microsoft.com/office/2006/documentManagement/types"/>
+    <ds:schemaRef ds:uri="c58f2efd-82a8-4ecf-b395-8c25e928921d"/>
+    <ds:schemaRef ds:uri="http://schemas.microsoft.com/office/infopath/2007/PartnerControls"/>
+    <ds:schemaRef ds:uri="http://purl.org/dc/elements/1.1/"/>
+    <ds:schemaRef ds:uri="http://schemas.microsoft.com/office/2006/metadata/properties"/>
+    <ds:schemaRef ds:uri="459159c4-d20a-4ff3-9b11-fbd127bd52e5"/>
+    <ds:schemaRef ds:uri="http://www.w3.org/XML/1998/namespace"/>
+    <ds:schemaRef ds:uri="http://purl.org/dc/dcmitype/"/>
   </ds:schemaRefs>
 </ds:datastoreItem>
 </file>
 
-<file path=customXml/itemProps3.xml><?xml version="1.0" encoding="utf-8"?>
+<file path=customXml/itemProps4.xml><?xml version="1.0" encoding="utf-8"?>
 <ds:datastoreItem xmlns:ds="http://schemas.openxmlformats.org/officeDocument/2006/customXml" ds:itemID="{3F66F418-6054-4EA5-BF8E-6AF3CEAE6265}">
   <ds:schemaRefs>
     <ds:schemaRef ds:uri="http://schemas.microsoft.com/office/2006/metadata/contentType"/>
@@ -14186,22 +14204,4 @@
     <ds:schemaRef ds:uri="http://schemas.microsoft.com/internal/obd"/>
   </ds:schemaRefs>
 </ds:datastoreItem>
-</file>
-
-<file path=customXml/itemProps4.xml><?xml version="1.0" encoding="utf-8"?>
-<ds:datastoreItem xmlns:ds="http://schemas.openxmlformats.org/officeDocument/2006/customXml" ds:itemID="{3EF378BC-F4D0-4510-B4EC-07B6EFE18CF8}">
-  <ds:schemaRefs>
-    <ds:schemaRef ds:uri="http://purl.org/dc/terms/"/>
-    <ds:schemaRef ds:uri="679261c3-551f-4e86-913f-177e0e529669"/>
-    <ds:schemaRef ds:uri="http://schemas.openxmlformats.org/package/2006/metadata/core-properties"/>
-    <ds:schemaRef ds:uri="http://schemas.microsoft.com/office/2006/documentManagement/types"/>
-    <ds:schemaRef ds:uri="c58f2efd-82a8-4ecf-b395-8c25e928921d"/>
-    <ds:schemaRef ds:uri="http://schemas.microsoft.com/office/infopath/2007/PartnerControls"/>
-    <ds:schemaRef ds:uri="http://purl.org/dc/elements/1.1/"/>
-    <ds:schemaRef ds:uri="http://schemas.microsoft.com/office/2006/metadata/properties"/>
-    <ds:schemaRef ds:uri="459159c4-d20a-4ff3-9b11-fbd127bd52e5"/>
-    <ds:schemaRef ds:uri="http://www.w3.org/XML/1998/namespace"/>
-    <ds:schemaRef ds:uri="http://purl.org/dc/dcmitype/"/>
-  </ds:schemaRefs>
-</ds:datastoreItem>
 </file>